--- a/docs/diagrams/TaskDetailSequenceDiagrams.pptx
+++ b/docs/diagrams/TaskDetailSequenceDiagrams.pptx
@@ -4430,16 +4430,6 @@
               <a:t>post(</a:t>
             </a:r>
             <a:r>
-              <a:rPr lang="en-US" sz="1400" dirty="0" err="1">
-                <a:solidFill>
-                  <a:schemeClr val="accent5">
-                    <a:lumMod val="75000"/>
-                  </a:schemeClr>
-                </a:solidFill>
-              </a:rPr>
-              <a:t>T</a:t>
-            </a:r>
-            <a:r>
               <a:rPr lang="en-US" sz="1400" dirty="0" err="1" smtClean="0">
                 <a:solidFill>
                   <a:schemeClr val="accent5">
@@ -4447,7 +4437,7 @@
                   </a:schemeClr>
                 </a:solidFill>
               </a:rPr>
-              <a:t>askManagerChangedEvent</a:t>
+              <a:t>TaskListChangedEvent</a:t>
             </a:r>
             <a:r>
               <a:rPr lang="en-US" sz="1400" dirty="0" smtClean="0">
@@ -5289,14 +5279,14 @@
           <a:lstStyle/>
           <a:p>
             <a:r>
-              <a:rPr lang="en-US" sz="1400" dirty="0" err="1" smtClean="0">
+              <a:rPr lang="en-US" sz="1400" smtClean="0">
                 <a:solidFill>
                   <a:schemeClr val="accent6">
                     <a:lumMod val="75000"/>
                   </a:schemeClr>
                 </a:solidFill>
               </a:rPr>
-              <a:t>handleTaskManagerChangedEvent</a:t>
+              <a:t>handleTaskListChangedEvent</a:t>
             </a:r>
             <a:r>
               <a:rPr lang="en-US" sz="1400" dirty="0" smtClean="0">
